--- a/CVAE.pptx
+++ b/CVAE.pptx
@@ -13,10 +13,12 @@
     <p:sldId id="264" r:id="rId7"/>
     <p:sldId id="265" r:id="rId8"/>
     <p:sldId id="266" r:id="rId9"/>
-    <p:sldId id="267" r:id="rId10"/>
-    <p:sldId id="269" r:id="rId11"/>
-    <p:sldId id="270" r:id="rId12"/>
-    <p:sldId id="271" r:id="rId13"/>
+    <p:sldId id="273" r:id="rId10"/>
+    <p:sldId id="267" r:id="rId11"/>
+    <p:sldId id="272" r:id="rId12"/>
+    <p:sldId id="269" r:id="rId13"/>
+    <p:sldId id="270" r:id="rId14"/>
+    <p:sldId id="271" r:id="rId15"/>
   </p:sldIdLst>
   <p:sldSz cx="12192000" cy="6858000"/>
   <p:notesSz cx="6858000" cy="9144000"/>
@@ -254,7 +256,7 @@
           <a:p>
             <a:fld id="{6A6A53A3-5B79-4ED9-994D-77602C3284A9}" type="datetimeFigureOut">
               <a:rPr lang="en-US" smtClean="0"/>
-              <a:t>7/24/2024</a:t>
+              <a:t>7/25/2024</a:t>
             </a:fld>
             <a:endParaRPr lang="en-US"/>
           </a:p>
@@ -424,7 +426,7 @@
           <a:p>
             <a:fld id="{6A6A53A3-5B79-4ED9-994D-77602C3284A9}" type="datetimeFigureOut">
               <a:rPr lang="en-US" smtClean="0"/>
-              <a:t>7/24/2024</a:t>
+              <a:t>7/25/2024</a:t>
             </a:fld>
             <a:endParaRPr lang="en-US"/>
           </a:p>
@@ -604,7 +606,7 @@
           <a:p>
             <a:fld id="{6A6A53A3-5B79-4ED9-994D-77602C3284A9}" type="datetimeFigureOut">
               <a:rPr lang="en-US" smtClean="0"/>
-              <a:t>7/24/2024</a:t>
+              <a:t>7/25/2024</a:t>
             </a:fld>
             <a:endParaRPr lang="en-US"/>
           </a:p>
@@ -774,7 +776,7 @@
           <a:p>
             <a:fld id="{6A6A53A3-5B79-4ED9-994D-77602C3284A9}" type="datetimeFigureOut">
               <a:rPr lang="en-US" smtClean="0"/>
-              <a:t>7/24/2024</a:t>
+              <a:t>7/25/2024</a:t>
             </a:fld>
             <a:endParaRPr lang="en-US"/>
           </a:p>
@@ -1020,7 +1022,7 @@
           <a:p>
             <a:fld id="{6A6A53A3-5B79-4ED9-994D-77602C3284A9}" type="datetimeFigureOut">
               <a:rPr lang="en-US" smtClean="0"/>
-              <a:t>7/24/2024</a:t>
+              <a:t>7/25/2024</a:t>
             </a:fld>
             <a:endParaRPr lang="en-US"/>
           </a:p>
@@ -1252,7 +1254,7 @@
           <a:p>
             <a:fld id="{6A6A53A3-5B79-4ED9-994D-77602C3284A9}" type="datetimeFigureOut">
               <a:rPr lang="en-US" smtClean="0"/>
-              <a:t>7/24/2024</a:t>
+              <a:t>7/25/2024</a:t>
             </a:fld>
             <a:endParaRPr lang="en-US"/>
           </a:p>
@@ -1619,7 +1621,7 @@
           <a:p>
             <a:fld id="{6A6A53A3-5B79-4ED9-994D-77602C3284A9}" type="datetimeFigureOut">
               <a:rPr lang="en-US" smtClean="0"/>
-              <a:t>7/24/2024</a:t>
+              <a:t>7/25/2024</a:t>
             </a:fld>
             <a:endParaRPr lang="en-US"/>
           </a:p>
@@ -1737,7 +1739,7 @@
           <a:p>
             <a:fld id="{6A6A53A3-5B79-4ED9-994D-77602C3284A9}" type="datetimeFigureOut">
               <a:rPr lang="en-US" smtClean="0"/>
-              <a:t>7/24/2024</a:t>
+              <a:t>7/25/2024</a:t>
             </a:fld>
             <a:endParaRPr lang="en-US"/>
           </a:p>
@@ -1832,7 +1834,7 @@
           <a:p>
             <a:fld id="{6A6A53A3-5B79-4ED9-994D-77602C3284A9}" type="datetimeFigureOut">
               <a:rPr lang="en-US" smtClean="0"/>
-              <a:t>7/24/2024</a:t>
+              <a:t>7/25/2024</a:t>
             </a:fld>
             <a:endParaRPr lang="en-US"/>
           </a:p>
@@ -2109,7 +2111,7 @@
           <a:p>
             <a:fld id="{6A6A53A3-5B79-4ED9-994D-77602C3284A9}" type="datetimeFigureOut">
               <a:rPr lang="en-US" smtClean="0"/>
-              <a:t>7/24/2024</a:t>
+              <a:t>7/25/2024</a:t>
             </a:fld>
             <a:endParaRPr lang="en-US"/>
           </a:p>
@@ -2362,7 +2364,7 @@
           <a:p>
             <a:fld id="{6A6A53A3-5B79-4ED9-994D-77602C3284A9}" type="datetimeFigureOut">
               <a:rPr lang="en-US" smtClean="0"/>
-              <a:t>7/24/2024</a:t>
+              <a:t>7/25/2024</a:t>
             </a:fld>
             <a:endParaRPr lang="en-US"/>
           </a:p>
@@ -2575,7 +2577,7 @@
           <a:p>
             <a:fld id="{6A6A53A3-5B79-4ED9-994D-77602C3284A9}" type="datetimeFigureOut">
               <a:rPr lang="en-US" smtClean="0"/>
-              <a:t>7/24/2024</a:t>
+              <a:t>7/25/2024</a:t>
             </a:fld>
             <a:endParaRPr lang="en-US"/>
           </a:p>
@@ -3298,6 +3300,373 @@
           <a:chExt cx="0" cy="0"/>
         </a:xfrm>
       </p:grpSpPr>
+      <p:sp>
+        <p:nvSpPr>
+          <p:cNvPr id="2" name="Title 1"/>
+          <p:cNvSpPr>
+            <a:spLocks noGrp="1"/>
+          </p:cNvSpPr>
+          <p:nvPr>
+            <p:ph type="title"/>
+          </p:nvPr>
+        </p:nvSpPr>
+        <p:spPr>
+          <a:xfrm>
+            <a:off x="0" y="0"/>
+            <a:ext cx="10515600" cy="1325563"/>
+          </a:xfrm>
+        </p:spPr>
+        <p:txBody>
+          <a:bodyPr/>
+          <a:lstStyle/>
+          <a:p>
+            <a:r>
+              <a:rPr lang="en-US" b="1" dirty="0" smtClean="0">
+                <a:solidFill>
+                  <a:srgbClr val="FF0000"/>
+                </a:solidFill>
+              </a:rPr>
+              <a:t>NIR Sequences</a:t>
+            </a:r>
+            <a:endParaRPr lang="en-US" b="1" dirty="0">
+              <a:solidFill>
+                <a:srgbClr val="FF0000"/>
+              </a:solidFill>
+            </a:endParaRPr>
+          </a:p>
+        </p:txBody>
+      </p:sp>
+      <p:pic>
+        <p:nvPicPr>
+          <p:cNvPr id="4" name="Picture 3"/>
+          <p:cNvPicPr>
+            <a:picLocks noChangeAspect="1"/>
+          </p:cNvPicPr>
+          <p:nvPr/>
+        </p:nvPicPr>
+        <p:blipFill>
+          <a:blip r:embed="rId2">
+            <a:extLst>
+              <a:ext uri="{28A0092B-C50C-407E-A947-70E740481C1C}">
+                <a14:useLocalDpi xmlns:a14="http://schemas.microsoft.com/office/drawing/2010/main" val="0"/>
+              </a:ext>
+            </a:extLst>
+          </a:blip>
+          <a:stretch>
+            <a:fillRect/>
+          </a:stretch>
+        </p:blipFill>
+        <p:spPr>
+          <a:xfrm>
+            <a:off x="6658970" y="702803"/>
+            <a:ext cx="4681156" cy="3510866"/>
+          </a:xfrm>
+          <a:prstGeom prst="rect">
+            <a:avLst/>
+          </a:prstGeom>
+        </p:spPr>
+      </p:pic>
+      <p:pic>
+        <p:nvPicPr>
+          <p:cNvPr id="5" name="Picture 4"/>
+          <p:cNvPicPr>
+            <a:picLocks noChangeAspect="1"/>
+          </p:cNvPicPr>
+          <p:nvPr/>
+        </p:nvPicPr>
+        <p:blipFill>
+          <a:blip r:embed="rId3">
+            <a:extLst>
+              <a:ext uri="{28A0092B-C50C-407E-A947-70E740481C1C}">
+                <a14:useLocalDpi xmlns:a14="http://schemas.microsoft.com/office/drawing/2010/main" val="0"/>
+              </a:ext>
+            </a:extLst>
+          </a:blip>
+          <a:stretch>
+            <a:fillRect/>
+          </a:stretch>
+        </p:blipFill>
+        <p:spPr>
+          <a:xfrm>
+            <a:off x="6475502" y="4520570"/>
+            <a:ext cx="5048092" cy="2215463"/>
+          </a:xfrm>
+          <a:prstGeom prst="rect">
+            <a:avLst/>
+          </a:prstGeom>
+        </p:spPr>
+      </p:pic>
+      <p:pic>
+        <p:nvPicPr>
+          <p:cNvPr id="6" name="Picture 5"/>
+          <p:cNvPicPr>
+            <a:picLocks noChangeAspect="1"/>
+          </p:cNvPicPr>
+          <p:nvPr/>
+        </p:nvPicPr>
+        <p:blipFill>
+          <a:blip r:embed="rId4">
+            <a:extLst>
+              <a:ext uri="{28A0092B-C50C-407E-A947-70E740481C1C}">
+                <a14:useLocalDpi xmlns:a14="http://schemas.microsoft.com/office/drawing/2010/main" val="0"/>
+              </a:ext>
+            </a:extLst>
+          </a:blip>
+          <a:stretch>
+            <a:fillRect/>
+          </a:stretch>
+        </p:blipFill>
+        <p:spPr>
+          <a:xfrm>
+            <a:off x="477717" y="875603"/>
+            <a:ext cx="4450755" cy="3338066"/>
+          </a:xfrm>
+          <a:prstGeom prst="rect">
+            <a:avLst/>
+          </a:prstGeom>
+        </p:spPr>
+      </p:pic>
+      <p:pic>
+        <p:nvPicPr>
+          <p:cNvPr id="7" name="Picture 6"/>
+          <p:cNvPicPr>
+            <a:picLocks noChangeAspect="1"/>
+          </p:cNvPicPr>
+          <p:nvPr/>
+        </p:nvPicPr>
+        <p:blipFill>
+          <a:blip r:embed="rId5">
+            <a:extLst>
+              <a:ext uri="{28A0092B-C50C-407E-A947-70E740481C1C}">
+                <a14:useLocalDpi xmlns:a14="http://schemas.microsoft.com/office/drawing/2010/main" val="0"/>
+              </a:ext>
+            </a:extLst>
+          </a:blip>
+          <a:stretch>
+            <a:fillRect/>
+          </a:stretch>
+        </p:blipFill>
+        <p:spPr>
+          <a:xfrm>
+            <a:off x="0" y="4386469"/>
+            <a:ext cx="5164476" cy="2266541"/>
+          </a:xfrm>
+          <a:prstGeom prst="rect">
+            <a:avLst/>
+          </a:prstGeom>
+        </p:spPr>
+      </p:pic>
+    </p:spTree>
+    <p:extLst>
+      <p:ext uri="{BB962C8B-B14F-4D97-AF65-F5344CB8AC3E}">
+        <p14:creationId xmlns:p14="http://schemas.microsoft.com/office/powerpoint/2010/main" val="617419085"/>
+      </p:ext>
+    </p:extLst>
+  </p:cSld>
+  <p:clrMapOvr>
+    <a:masterClrMapping/>
+  </p:clrMapOvr>
+</p:sld>
+</file>
+
+<file path=ppt/slides/slide11.xml><?xml version="1.0" encoding="utf-8"?>
+<p:sld xmlns:a="http://schemas.openxmlformats.org/drawingml/2006/main" xmlns:r="http://schemas.openxmlformats.org/officeDocument/2006/relationships" xmlns:p="http://schemas.openxmlformats.org/presentationml/2006/main">
+  <p:cSld>
+    <p:spTree>
+      <p:nvGrpSpPr>
+        <p:cNvPr id="1" name=""/>
+        <p:cNvGrpSpPr/>
+        <p:nvPr/>
+      </p:nvGrpSpPr>
+      <p:grpSpPr>
+        <a:xfrm>
+          <a:off x="0" y="0"/>
+          <a:ext cx="0" cy="0"/>
+          <a:chOff x="0" y="0"/>
+          <a:chExt cx="0" cy="0"/>
+        </a:xfrm>
+      </p:grpSpPr>
+      <p:sp>
+        <p:nvSpPr>
+          <p:cNvPr id="2" name="Title 1"/>
+          <p:cNvSpPr>
+            <a:spLocks noGrp="1"/>
+          </p:cNvSpPr>
+          <p:nvPr>
+            <p:ph type="title"/>
+          </p:nvPr>
+        </p:nvSpPr>
+        <p:spPr>
+          <a:xfrm>
+            <a:off x="0" y="-23329"/>
+            <a:ext cx="10515600" cy="1325563"/>
+          </a:xfrm>
+        </p:spPr>
+        <p:txBody>
+          <a:bodyPr/>
+          <a:lstStyle/>
+          <a:p>
+            <a:r>
+              <a:rPr lang="en-US" b="1" dirty="0" smtClean="0">
+                <a:solidFill>
+                  <a:srgbClr val="FF0000"/>
+                </a:solidFill>
+              </a:rPr>
+              <a:t>WAV&gt;900 nm</a:t>
+            </a:r>
+            <a:endParaRPr lang="en-US" dirty="0"/>
+          </a:p>
+        </p:txBody>
+      </p:sp>
+      <p:pic>
+        <p:nvPicPr>
+          <p:cNvPr id="4" name="Content Placeholder 3"/>
+          <p:cNvPicPr>
+            <a:picLocks noGrp="1" noChangeAspect="1"/>
+          </p:cNvPicPr>
+          <p:nvPr>
+            <p:ph idx="1"/>
+          </p:nvPr>
+        </p:nvPicPr>
+        <p:blipFill>
+          <a:blip r:embed="rId2">
+            <a:extLst>
+              <a:ext uri="{28A0092B-C50C-407E-A947-70E740481C1C}">
+                <a14:useLocalDpi xmlns:a14="http://schemas.microsoft.com/office/drawing/2010/main" val="0"/>
+              </a:ext>
+            </a:extLst>
+          </a:blip>
+          <a:stretch>
+            <a:fillRect/>
+          </a:stretch>
+        </p:blipFill>
+        <p:spPr>
+          <a:xfrm>
+            <a:off x="6332735" y="4586063"/>
+            <a:ext cx="5130396" cy="2251584"/>
+          </a:xfrm>
+        </p:spPr>
+      </p:pic>
+      <p:pic>
+        <p:nvPicPr>
+          <p:cNvPr id="5" name="Picture 4"/>
+          <p:cNvPicPr>
+            <a:picLocks noChangeAspect="1"/>
+          </p:cNvPicPr>
+          <p:nvPr/>
+        </p:nvPicPr>
+        <p:blipFill>
+          <a:blip r:embed="rId3">
+            <a:extLst>
+              <a:ext uri="{28A0092B-C50C-407E-A947-70E740481C1C}">
+                <a14:useLocalDpi xmlns:a14="http://schemas.microsoft.com/office/drawing/2010/main" val="0"/>
+              </a:ext>
+            </a:extLst>
+          </a:blip>
+          <a:stretch>
+            <a:fillRect/>
+          </a:stretch>
+        </p:blipFill>
+        <p:spPr>
+          <a:xfrm>
+            <a:off x="6301626" y="865822"/>
+            <a:ext cx="4607990" cy="3455993"/>
+          </a:xfrm>
+          <a:prstGeom prst="rect">
+            <a:avLst/>
+          </a:prstGeom>
+        </p:spPr>
+      </p:pic>
+      <p:pic>
+        <p:nvPicPr>
+          <p:cNvPr id="6" name="Picture 5"/>
+          <p:cNvPicPr>
+            <a:picLocks noChangeAspect="1"/>
+          </p:cNvPicPr>
+          <p:nvPr/>
+        </p:nvPicPr>
+        <p:blipFill>
+          <a:blip r:embed="rId4">
+            <a:extLst>
+              <a:ext uri="{28A0092B-C50C-407E-A947-70E740481C1C}">
+                <a14:useLocalDpi xmlns:a14="http://schemas.microsoft.com/office/drawing/2010/main" val="0"/>
+              </a:ext>
+            </a:extLst>
+          </a:blip>
+          <a:stretch>
+            <a:fillRect/>
+          </a:stretch>
+        </p:blipFill>
+        <p:spPr>
+          <a:xfrm>
+            <a:off x="135223" y="4623910"/>
+            <a:ext cx="4957924" cy="2175891"/>
+          </a:xfrm>
+          <a:prstGeom prst="rect">
+            <a:avLst/>
+          </a:prstGeom>
+        </p:spPr>
+      </p:pic>
+      <p:pic>
+        <p:nvPicPr>
+          <p:cNvPr id="7" name="Picture 6"/>
+          <p:cNvPicPr>
+            <a:picLocks noChangeAspect="1"/>
+          </p:cNvPicPr>
+          <p:nvPr/>
+        </p:nvPicPr>
+        <p:blipFill>
+          <a:blip r:embed="rId5">
+            <a:extLst>
+              <a:ext uri="{28A0092B-C50C-407E-A947-70E740481C1C}">
+                <a14:useLocalDpi xmlns:a14="http://schemas.microsoft.com/office/drawing/2010/main" val="0"/>
+              </a:ext>
+            </a:extLst>
+          </a:blip>
+          <a:stretch>
+            <a:fillRect/>
+          </a:stretch>
+        </p:blipFill>
+        <p:spPr>
+          <a:xfrm>
+            <a:off x="108793" y="865822"/>
+            <a:ext cx="5010785" cy="3758088"/>
+          </a:xfrm>
+          <a:prstGeom prst="rect">
+            <a:avLst/>
+          </a:prstGeom>
+        </p:spPr>
+      </p:pic>
+    </p:spTree>
+    <p:extLst>
+      <p:ext uri="{BB962C8B-B14F-4D97-AF65-F5344CB8AC3E}">
+        <p14:creationId xmlns:p14="http://schemas.microsoft.com/office/powerpoint/2010/main" val="1465102818"/>
+      </p:ext>
+    </p:extLst>
+  </p:cSld>
+  <p:clrMapOvr>
+    <a:masterClrMapping/>
+  </p:clrMapOvr>
+</p:sld>
+</file>
+
+<file path=ppt/slides/slide12.xml><?xml version="1.0" encoding="utf-8"?>
+<p:sld xmlns:a="http://schemas.openxmlformats.org/drawingml/2006/main" xmlns:r="http://schemas.openxmlformats.org/officeDocument/2006/relationships" xmlns:p="http://schemas.openxmlformats.org/presentationml/2006/main">
+  <p:cSld>
+    <p:spTree>
+      <p:nvGrpSpPr>
+        <p:cNvPr id="1" name=""/>
+        <p:cNvGrpSpPr/>
+        <p:nvPr/>
+      </p:nvGrpSpPr>
+      <p:grpSpPr>
+        <a:xfrm>
+          <a:off x="0" y="0"/>
+          <a:ext cx="0" cy="0"/>
+          <a:chOff x="0" y="0"/>
+          <a:chExt cx="0" cy="0"/>
+        </a:xfrm>
+      </p:grpSpPr>
       <p:grpSp>
         <p:nvGrpSpPr>
           <p:cNvPr id="9" name="Group 8"/>
@@ -3639,8 +4008,8 @@
                         </a:p>
                       </p:txBody>
                     </p:sp>
-                    <mc:AlternateContent xmlns:mc="http://schemas.openxmlformats.org/markup-compatibility/2006">
-                      <mc:Choice xmlns:a14="http://schemas.microsoft.com/office/drawing/2010/main" Requires="a14">
+                    <mc:AlternateContent xmlns:mc="http://schemas.openxmlformats.org/markup-compatibility/2006" xmlns:a14="http://schemas.microsoft.com/office/drawing/2010/main">
+                      <mc:Choice Requires="a14">
                         <p:sp>
                           <p:nvSpPr>
                             <p:cNvPr id="12" name="Rectangle 11"/>
@@ -3735,7 +4104,7 @@
                           </p:txBody>
                         </p:sp>
                       </mc:Choice>
-                      <mc:Fallback>
+                      <mc:Fallback xmlns="">
                         <p:sp>
                           <p:nvSpPr>
                             <p:cNvPr id="12" name="Rectangle 11"/>
@@ -3779,8 +4148,8 @@
                         </p:sp>
                       </mc:Fallback>
                     </mc:AlternateContent>
-                    <mc:AlternateContent xmlns:mc="http://schemas.openxmlformats.org/markup-compatibility/2006">
-                      <mc:Choice xmlns:a14="http://schemas.microsoft.com/office/drawing/2010/main" Requires="a14">
+                    <mc:AlternateContent xmlns:mc="http://schemas.openxmlformats.org/markup-compatibility/2006" xmlns:a14="http://schemas.microsoft.com/office/drawing/2010/main">
+                      <mc:Choice Requires="a14">
                         <p:sp>
                           <p:nvSpPr>
                             <p:cNvPr id="13" name="Rectangle 12"/>
@@ -3875,7 +4244,7 @@
                           </p:txBody>
                         </p:sp>
                       </mc:Choice>
-                      <mc:Fallback>
+                      <mc:Fallback xmlns="">
                         <p:sp>
                           <p:nvSpPr>
                             <p:cNvPr id="13" name="Rectangle 12"/>
@@ -5394,7 +5763,7 @@
 </p:sld>
 </file>
 
-<file path=ppt/slides/slide11.xml><?xml version="1.0" encoding="utf-8"?>
+<file path=ppt/slides/slide13.xml><?xml version="1.0" encoding="utf-8"?>
 <p:sld xmlns:a="http://schemas.openxmlformats.org/drawingml/2006/main" xmlns:r="http://schemas.openxmlformats.org/officeDocument/2006/relationships" xmlns:p="http://schemas.openxmlformats.org/presentationml/2006/main">
   <p:cSld>
     <p:spTree>
@@ -5661,7 +6030,7 @@
 </p:sld>
 </file>
 
-<file path=ppt/slides/slide12.xml><?xml version="1.0" encoding="utf-8"?>
+<file path=ppt/slides/slide14.xml><?xml version="1.0" encoding="utf-8"?>
 <p:sld xmlns:a="http://schemas.openxmlformats.org/drawingml/2006/main" xmlns:r="http://schemas.openxmlformats.org/officeDocument/2006/relationships" xmlns:p="http://schemas.openxmlformats.org/presentationml/2006/main">
   <p:cSld>
     <p:spTree>
@@ -6205,8 +6574,8 @@
                         </a:p>
                       </p:txBody>
                     </p:sp>
-                    <mc:AlternateContent xmlns:mc="http://schemas.openxmlformats.org/markup-compatibility/2006">
-                      <mc:Choice xmlns:a14="http://schemas.microsoft.com/office/drawing/2010/main" Requires="a14">
+                    <mc:AlternateContent xmlns:mc="http://schemas.openxmlformats.org/markup-compatibility/2006" xmlns:a14="http://schemas.microsoft.com/office/drawing/2010/main">
+                      <mc:Choice Requires="a14">
                         <p:sp>
                           <p:nvSpPr>
                             <p:cNvPr id="12" name="Rectangle 11"/>
@@ -6301,7 +6670,7 @@
                           </p:txBody>
                         </p:sp>
                       </mc:Choice>
-                      <mc:Fallback>
+                      <mc:Fallback xmlns="">
                         <p:sp>
                           <p:nvSpPr>
                             <p:cNvPr id="12" name="Rectangle 11"/>
@@ -6345,8 +6714,8 @@
                         </p:sp>
                       </mc:Fallback>
                     </mc:AlternateContent>
-                    <mc:AlternateContent xmlns:mc="http://schemas.openxmlformats.org/markup-compatibility/2006">
-                      <mc:Choice xmlns:a14="http://schemas.microsoft.com/office/drawing/2010/main" Requires="a14">
+                    <mc:AlternateContent xmlns:mc="http://schemas.openxmlformats.org/markup-compatibility/2006" xmlns:a14="http://schemas.microsoft.com/office/drawing/2010/main">
+                      <mc:Choice Requires="a14">
                         <p:sp>
                           <p:nvSpPr>
                             <p:cNvPr id="13" name="Rectangle 12"/>
@@ -6441,7 +6810,7 @@
                           </p:txBody>
                         </p:sp>
                       </mc:Choice>
-                      <mc:Fallback>
+                      <mc:Fallback xmlns="">
                         <p:sp>
                           <p:nvSpPr>
                             <p:cNvPr id="13" name="Rectangle 12"/>
@@ -7478,7 +7847,6 @@
                 <a:rPr lang="en-US" dirty="0"/>
                 <a:t>Condition</a:t>
               </a:r>
-              <a:endParaRPr lang="en-US" dirty="0"/>
             </a:p>
           </p:txBody>
         </p:sp>
@@ -7565,7 +7933,6 @@
                 <a:rPr lang="en-US" dirty="0"/>
                 <a:t>Condition</a:t>
               </a:r>
-              <a:endParaRPr lang="en-US" dirty="0"/>
             </a:p>
           </p:txBody>
         </p:sp>
@@ -9282,7 +9649,7 @@
         </p:nvSpPr>
         <p:spPr>
           <a:xfrm>
-            <a:off x="0" y="0"/>
+            <a:off x="0" y="34937"/>
             <a:ext cx="10515600" cy="1325563"/>
           </a:xfrm>
         </p:spPr>
@@ -9296,7 +9663,7 @@
                   <a:srgbClr val="FF0000"/>
                 </a:solidFill>
               </a:rPr>
-              <a:t>NIR Sequences</a:t>
+              <a:t>660 &lt; WAV&lt; 775 nm</a:t>
             </a:r>
             <a:endParaRPr lang="en-US" b="1" dirty="0">
               <a:solidFill>
@@ -9308,11 +9675,13 @@
       </p:sp>
       <p:pic>
         <p:nvPicPr>
-          <p:cNvPr id="4" name="Picture 3"/>
+          <p:cNvPr id="4" name="Content Placeholder 3"/>
           <p:cNvPicPr>
-            <a:picLocks noChangeAspect="1"/>
+            <a:picLocks noGrp="1" noChangeAspect="1"/>
           </p:cNvPicPr>
-          <p:nvPr/>
+          <p:nvPr>
+            <p:ph idx="1"/>
+          </p:nvPr>
         </p:nvPicPr>
         <p:blipFill>
           <a:blip r:embed="rId2">
@@ -9328,12 +9697,9 @@
         </p:blipFill>
         <p:spPr>
           <a:xfrm>
-            <a:off x="6658970" y="702803"/>
-            <a:ext cx="4681156" cy="3510866"/>
+            <a:off x="5802989" y="4455628"/>
+            <a:ext cx="5024037" cy="2204906"/>
           </a:xfrm>
-          <a:prstGeom prst="rect">
-            <a:avLst/>
-          </a:prstGeom>
         </p:spPr>
       </p:pic>
       <p:pic>
@@ -9358,8 +9724,8 @@
         </p:blipFill>
         <p:spPr>
           <a:xfrm>
-            <a:off x="6475502" y="4520570"/>
-            <a:ext cx="5048092" cy="2215463"/>
+            <a:off x="5990615" y="1131216"/>
+            <a:ext cx="4236540" cy="3177405"/>
           </a:xfrm>
           <a:prstGeom prst="rect">
             <a:avLst/>
@@ -9388,8 +9754,8 @@
         </p:blipFill>
         <p:spPr>
           <a:xfrm>
-            <a:off x="477717" y="875603"/>
-            <a:ext cx="4450755" cy="3338066"/>
+            <a:off x="0" y="4455628"/>
+            <a:ext cx="5134854" cy="2253541"/>
           </a:xfrm>
           <a:prstGeom prst="rect">
             <a:avLst/>
@@ -9418,8 +9784,8 @@
         </p:blipFill>
         <p:spPr>
           <a:xfrm>
-            <a:off x="0" y="4386469"/>
-            <a:ext cx="5164476" cy="2266541"/>
+            <a:off x="249070" y="1131216"/>
+            <a:ext cx="4236540" cy="3177405"/>
           </a:xfrm>
           <a:prstGeom prst="rect">
             <a:avLst/>
@@ -9429,7 +9795,7 @@
     </p:spTree>
     <p:extLst>
       <p:ext uri="{BB962C8B-B14F-4D97-AF65-F5344CB8AC3E}">
-        <p14:creationId xmlns:p14="http://schemas.microsoft.com/office/powerpoint/2010/main" val="617419085"/>
+        <p14:creationId xmlns:p14="http://schemas.microsoft.com/office/powerpoint/2010/main" val="3317750376"/>
       </p:ext>
     </p:extLst>
   </p:cSld>

--- a/CVAE.pptx
+++ b/CVAE.pptx
@@ -10,15 +10,16 @@
     <p:sldId id="258" r:id="rId4"/>
     <p:sldId id="259" r:id="rId5"/>
     <p:sldId id="260" r:id="rId6"/>
-    <p:sldId id="264" r:id="rId7"/>
-    <p:sldId id="265" r:id="rId8"/>
-    <p:sldId id="266" r:id="rId9"/>
-    <p:sldId id="273" r:id="rId10"/>
-    <p:sldId id="267" r:id="rId11"/>
-    <p:sldId id="272" r:id="rId12"/>
-    <p:sldId id="269" r:id="rId13"/>
-    <p:sldId id="270" r:id="rId14"/>
-    <p:sldId id="271" r:id="rId15"/>
+    <p:sldId id="275" r:id="rId7"/>
+    <p:sldId id="264" r:id="rId8"/>
+    <p:sldId id="265" r:id="rId9"/>
+    <p:sldId id="266" r:id="rId10"/>
+    <p:sldId id="273" r:id="rId11"/>
+    <p:sldId id="267" r:id="rId12"/>
+    <p:sldId id="272" r:id="rId13"/>
+    <p:sldId id="269" r:id="rId14"/>
+    <p:sldId id="270" r:id="rId15"/>
+    <p:sldId id="271" r:id="rId16"/>
   </p:sldIdLst>
   <p:sldSz cx="12192000" cy="6858000"/>
   <p:notesSz cx="6858000" cy="9144000"/>
@@ -256,7 +257,7 @@
           <a:p>
             <a:fld id="{6A6A53A3-5B79-4ED9-994D-77602C3284A9}" type="datetimeFigureOut">
               <a:rPr lang="en-US" smtClean="0"/>
-              <a:t>7/25/2024</a:t>
+              <a:t>7/26/2024</a:t>
             </a:fld>
             <a:endParaRPr lang="en-US"/>
           </a:p>
@@ -426,7 +427,7 @@
           <a:p>
             <a:fld id="{6A6A53A3-5B79-4ED9-994D-77602C3284A9}" type="datetimeFigureOut">
               <a:rPr lang="en-US" smtClean="0"/>
-              <a:t>7/25/2024</a:t>
+              <a:t>7/26/2024</a:t>
             </a:fld>
             <a:endParaRPr lang="en-US"/>
           </a:p>
@@ -606,7 +607,7 @@
           <a:p>
             <a:fld id="{6A6A53A3-5B79-4ED9-994D-77602C3284A9}" type="datetimeFigureOut">
               <a:rPr lang="en-US" smtClean="0"/>
-              <a:t>7/25/2024</a:t>
+              <a:t>7/26/2024</a:t>
             </a:fld>
             <a:endParaRPr lang="en-US"/>
           </a:p>
@@ -776,7 +777,7 @@
           <a:p>
             <a:fld id="{6A6A53A3-5B79-4ED9-994D-77602C3284A9}" type="datetimeFigureOut">
               <a:rPr lang="en-US" smtClean="0"/>
-              <a:t>7/25/2024</a:t>
+              <a:t>7/26/2024</a:t>
             </a:fld>
             <a:endParaRPr lang="en-US"/>
           </a:p>
@@ -1022,7 +1023,7 @@
           <a:p>
             <a:fld id="{6A6A53A3-5B79-4ED9-994D-77602C3284A9}" type="datetimeFigureOut">
               <a:rPr lang="en-US" smtClean="0"/>
-              <a:t>7/25/2024</a:t>
+              <a:t>7/26/2024</a:t>
             </a:fld>
             <a:endParaRPr lang="en-US"/>
           </a:p>
@@ -1254,7 +1255,7 @@
           <a:p>
             <a:fld id="{6A6A53A3-5B79-4ED9-994D-77602C3284A9}" type="datetimeFigureOut">
               <a:rPr lang="en-US" smtClean="0"/>
-              <a:t>7/25/2024</a:t>
+              <a:t>7/26/2024</a:t>
             </a:fld>
             <a:endParaRPr lang="en-US"/>
           </a:p>
@@ -1621,7 +1622,7 @@
           <a:p>
             <a:fld id="{6A6A53A3-5B79-4ED9-994D-77602C3284A9}" type="datetimeFigureOut">
               <a:rPr lang="en-US" smtClean="0"/>
-              <a:t>7/25/2024</a:t>
+              <a:t>7/26/2024</a:t>
             </a:fld>
             <a:endParaRPr lang="en-US"/>
           </a:p>
@@ -1739,7 +1740,7 @@
           <a:p>
             <a:fld id="{6A6A53A3-5B79-4ED9-994D-77602C3284A9}" type="datetimeFigureOut">
               <a:rPr lang="en-US" smtClean="0"/>
-              <a:t>7/25/2024</a:t>
+              <a:t>7/26/2024</a:t>
             </a:fld>
             <a:endParaRPr lang="en-US"/>
           </a:p>
@@ -1834,7 +1835,7 @@
           <a:p>
             <a:fld id="{6A6A53A3-5B79-4ED9-994D-77602C3284A9}" type="datetimeFigureOut">
               <a:rPr lang="en-US" smtClean="0"/>
-              <a:t>7/25/2024</a:t>
+              <a:t>7/26/2024</a:t>
             </a:fld>
             <a:endParaRPr lang="en-US"/>
           </a:p>
@@ -2111,7 +2112,7 @@
           <a:p>
             <a:fld id="{6A6A53A3-5B79-4ED9-994D-77602C3284A9}" type="datetimeFigureOut">
               <a:rPr lang="en-US" smtClean="0"/>
-              <a:t>7/25/2024</a:t>
+              <a:t>7/26/2024</a:t>
             </a:fld>
             <a:endParaRPr lang="en-US"/>
           </a:p>
@@ -2364,7 +2365,7 @@
           <a:p>
             <a:fld id="{6A6A53A3-5B79-4ED9-994D-77602C3284A9}" type="datetimeFigureOut">
               <a:rPr lang="en-US" smtClean="0"/>
-              <a:t>7/25/2024</a:t>
+              <a:t>7/26/2024</a:t>
             </a:fld>
             <a:endParaRPr lang="en-US"/>
           </a:p>
@@ -2577,7 +2578,7 @@
           <a:p>
             <a:fld id="{6A6A53A3-5B79-4ED9-994D-77602C3284A9}" type="datetimeFigureOut">
               <a:rPr lang="en-US" smtClean="0"/>
-              <a:t>7/25/2024</a:t>
+              <a:t>7/26/2024</a:t>
             </a:fld>
             <a:endParaRPr lang="en-US"/>
           </a:p>
@@ -3312,6 +3313,198 @@
         </p:nvSpPr>
         <p:spPr>
           <a:xfrm>
+            <a:off x="0" y="34937"/>
+            <a:ext cx="10515600" cy="1325563"/>
+          </a:xfrm>
+        </p:spPr>
+        <p:txBody>
+          <a:bodyPr/>
+          <a:lstStyle/>
+          <a:p>
+            <a:r>
+              <a:rPr lang="en-US" b="1" dirty="0" smtClean="0">
+                <a:solidFill>
+                  <a:srgbClr val="FF0000"/>
+                </a:solidFill>
+              </a:rPr>
+              <a:t>660 &lt; WAV&lt; 775 nm</a:t>
+            </a:r>
+            <a:endParaRPr lang="en-US" b="1" dirty="0">
+              <a:solidFill>
+                <a:srgbClr val="FF0000"/>
+              </a:solidFill>
+            </a:endParaRPr>
+          </a:p>
+        </p:txBody>
+      </p:sp>
+      <p:pic>
+        <p:nvPicPr>
+          <p:cNvPr id="4" name="Content Placeholder 3"/>
+          <p:cNvPicPr>
+            <a:picLocks noGrp="1" noChangeAspect="1"/>
+          </p:cNvPicPr>
+          <p:nvPr>
+            <p:ph idx="1"/>
+          </p:nvPr>
+        </p:nvPicPr>
+        <p:blipFill>
+          <a:blip r:embed="rId2">
+            <a:extLst>
+              <a:ext uri="{28A0092B-C50C-407E-A947-70E740481C1C}">
+                <a14:useLocalDpi xmlns:a14="http://schemas.microsoft.com/office/drawing/2010/main" val="0"/>
+              </a:ext>
+            </a:extLst>
+          </a:blip>
+          <a:stretch>
+            <a:fillRect/>
+          </a:stretch>
+        </p:blipFill>
+        <p:spPr>
+          <a:xfrm>
+            <a:off x="5802989" y="4455628"/>
+            <a:ext cx="5024037" cy="2204906"/>
+          </a:xfrm>
+        </p:spPr>
+      </p:pic>
+      <p:pic>
+        <p:nvPicPr>
+          <p:cNvPr id="5" name="Picture 4"/>
+          <p:cNvPicPr>
+            <a:picLocks noChangeAspect="1"/>
+          </p:cNvPicPr>
+          <p:nvPr/>
+        </p:nvPicPr>
+        <p:blipFill>
+          <a:blip r:embed="rId3">
+            <a:extLst>
+              <a:ext uri="{28A0092B-C50C-407E-A947-70E740481C1C}">
+                <a14:useLocalDpi xmlns:a14="http://schemas.microsoft.com/office/drawing/2010/main" val="0"/>
+              </a:ext>
+            </a:extLst>
+          </a:blip>
+          <a:stretch>
+            <a:fillRect/>
+          </a:stretch>
+        </p:blipFill>
+        <p:spPr>
+          <a:xfrm>
+            <a:off x="5990615" y="1131216"/>
+            <a:ext cx="4236540" cy="3177405"/>
+          </a:xfrm>
+          <a:prstGeom prst="rect">
+            <a:avLst/>
+          </a:prstGeom>
+        </p:spPr>
+      </p:pic>
+      <p:pic>
+        <p:nvPicPr>
+          <p:cNvPr id="6" name="Picture 5"/>
+          <p:cNvPicPr>
+            <a:picLocks noChangeAspect="1"/>
+          </p:cNvPicPr>
+          <p:nvPr/>
+        </p:nvPicPr>
+        <p:blipFill>
+          <a:blip r:embed="rId4">
+            <a:extLst>
+              <a:ext uri="{28A0092B-C50C-407E-A947-70E740481C1C}">
+                <a14:useLocalDpi xmlns:a14="http://schemas.microsoft.com/office/drawing/2010/main" val="0"/>
+              </a:ext>
+            </a:extLst>
+          </a:blip>
+          <a:stretch>
+            <a:fillRect/>
+          </a:stretch>
+        </p:blipFill>
+        <p:spPr>
+          <a:xfrm>
+            <a:off x="0" y="4455628"/>
+            <a:ext cx="5134854" cy="2253541"/>
+          </a:xfrm>
+          <a:prstGeom prst="rect">
+            <a:avLst/>
+          </a:prstGeom>
+        </p:spPr>
+      </p:pic>
+      <p:pic>
+        <p:nvPicPr>
+          <p:cNvPr id="7" name="Picture 6"/>
+          <p:cNvPicPr>
+            <a:picLocks noChangeAspect="1"/>
+          </p:cNvPicPr>
+          <p:nvPr/>
+        </p:nvPicPr>
+        <p:blipFill>
+          <a:blip r:embed="rId5">
+            <a:extLst>
+              <a:ext uri="{28A0092B-C50C-407E-A947-70E740481C1C}">
+                <a14:useLocalDpi xmlns:a14="http://schemas.microsoft.com/office/drawing/2010/main" val="0"/>
+              </a:ext>
+            </a:extLst>
+          </a:blip>
+          <a:stretch>
+            <a:fillRect/>
+          </a:stretch>
+        </p:blipFill>
+        <p:spPr>
+          <a:xfrm>
+            <a:off x="249070" y="1131216"/>
+            <a:ext cx="4236540" cy="3177405"/>
+          </a:xfrm>
+          <a:prstGeom prst="rect">
+            <a:avLst/>
+          </a:prstGeom>
+        </p:spPr>
+      </p:pic>
+    </p:spTree>
+    <p:extLst>
+      <p:ext uri="{BB962C8B-B14F-4D97-AF65-F5344CB8AC3E}">
+        <p14:creationId xmlns:p14="http://schemas.microsoft.com/office/powerpoint/2010/main" val="3317750376"/>
+      </p:ext>
+    </p:extLst>
+  </p:cSld>
+  <p:clrMapOvr>
+    <a:masterClrMapping/>
+  </p:clrMapOvr>
+  <p:timing>
+    <p:tnLst>
+      <p:par>
+        <p:cTn id="1" dur="indefinite" restart="never" nodeType="tmRoot"/>
+      </p:par>
+    </p:tnLst>
+  </p:timing>
+</p:sld>
+</file>
+
+<file path=ppt/slides/slide11.xml><?xml version="1.0" encoding="utf-8"?>
+<p:sld xmlns:a="http://schemas.openxmlformats.org/drawingml/2006/main" xmlns:r="http://schemas.openxmlformats.org/officeDocument/2006/relationships" xmlns:p="http://schemas.openxmlformats.org/presentationml/2006/main">
+  <p:cSld>
+    <p:spTree>
+      <p:nvGrpSpPr>
+        <p:cNvPr id="1" name=""/>
+        <p:cNvGrpSpPr/>
+        <p:nvPr/>
+      </p:nvGrpSpPr>
+      <p:grpSpPr>
+        <a:xfrm>
+          <a:off x="0" y="0"/>
+          <a:ext cx="0" cy="0"/>
+          <a:chOff x="0" y="0"/>
+          <a:chExt cx="0" cy="0"/>
+        </a:xfrm>
+      </p:grpSpPr>
+      <p:sp>
+        <p:nvSpPr>
+          <p:cNvPr id="2" name="Title 1"/>
+          <p:cNvSpPr>
+            <a:spLocks noGrp="1"/>
+          </p:cNvSpPr>
+          <p:nvPr>
+            <p:ph type="title"/>
+          </p:nvPr>
+        </p:nvSpPr>
+        <p:spPr>
+          <a:xfrm>
             <a:off x="0" y="0"/>
             <a:ext cx="10515600" cy="1325563"/>
           </a:xfrm>
@@ -3326,7 +3519,15 @@
                   <a:srgbClr val="FF0000"/>
                 </a:solidFill>
               </a:rPr>
-              <a:t>NIR Sequences</a:t>
+              <a:t>NIR </a:t>
+            </a:r>
+            <a:r>
+              <a:rPr lang="en-US" b="1" dirty="0" smtClean="0">
+                <a:solidFill>
+                  <a:srgbClr val="FF0000"/>
+                </a:solidFill>
+              </a:rPr>
+              <a:t>Sequences (WAV &gt; 800nm)</a:t>
             </a:r>
             <a:endParaRPr lang="en-US" b="1" dirty="0">
               <a:solidFill>
@@ -3358,7 +3559,7 @@
         </p:blipFill>
         <p:spPr>
           <a:xfrm>
-            <a:off x="6658970" y="702803"/>
+            <a:off x="6475502" y="1009704"/>
             <a:ext cx="4681156" cy="3510866"/>
           </a:xfrm>
           <a:prstGeom prst="rect">
@@ -3418,7 +3619,7 @@
         </p:blipFill>
         <p:spPr>
           <a:xfrm>
-            <a:off x="477717" y="875603"/>
+            <a:off x="477717" y="1009704"/>
             <a:ext cx="4450755" cy="3338066"/>
           </a:xfrm>
           <a:prstGeom prst="rect">
@@ -3466,10 +3667,17 @@
   <p:clrMapOvr>
     <a:masterClrMapping/>
   </p:clrMapOvr>
+  <p:timing>
+    <p:tnLst>
+      <p:par>
+        <p:cTn id="1" dur="indefinite" restart="never" nodeType="tmRoot"/>
+      </p:par>
+    </p:tnLst>
+  </p:timing>
 </p:sld>
 </file>
 
-<file path=ppt/slides/slide11.xml><?xml version="1.0" encoding="utf-8"?>
+<file path=ppt/slides/slide12.xml><?xml version="1.0" encoding="utf-8"?>
 <p:sld xmlns:a="http://schemas.openxmlformats.org/drawingml/2006/main" xmlns:r="http://schemas.openxmlformats.org/officeDocument/2006/relationships" xmlns:p="http://schemas.openxmlformats.org/presentationml/2006/main">
   <p:cSld>
     <p:spTree>
@@ -3637,6 +3845,54 @@
           </a:prstGeom>
         </p:spPr>
       </p:pic>
+      <p:sp>
+        <p:nvSpPr>
+          <p:cNvPr id="3" name="Right Arrow 2"/>
+          <p:cNvSpPr/>
+          <p:nvPr/>
+        </p:nvSpPr>
+        <p:spPr>
+          <a:xfrm rot="20777798">
+            <a:off x="821634" y="3154018"/>
+            <a:ext cx="384313" cy="274320"/>
+          </a:xfrm>
+          <a:prstGeom prst="rightArrow">
+            <a:avLst/>
+          </a:prstGeom>
+          <a:solidFill>
+            <a:srgbClr val="EC44D8"/>
+          </a:solidFill>
+          <a:ln>
+            <a:solidFill>
+              <a:srgbClr val="7030A0"/>
+            </a:solidFill>
+          </a:ln>
+        </p:spPr>
+        <p:style>
+          <a:lnRef idx="2">
+            <a:schemeClr val="accent1">
+              <a:shade val="50000"/>
+            </a:schemeClr>
+          </a:lnRef>
+          <a:fillRef idx="1">
+            <a:schemeClr val="accent1"/>
+          </a:fillRef>
+          <a:effectRef idx="0">
+            <a:schemeClr val="accent1"/>
+          </a:effectRef>
+          <a:fontRef idx="minor">
+            <a:schemeClr val="lt1"/>
+          </a:fontRef>
+        </p:style>
+        <p:txBody>
+          <a:bodyPr rtlCol="0" anchor="ctr"/>
+          <a:lstStyle/>
+          <a:p>
+            <a:pPr algn="ctr"/>
+            <a:endParaRPr lang="en-US"/>
+          </a:p>
+        </p:txBody>
+      </p:sp>
     </p:spTree>
     <p:extLst>
       <p:ext uri="{BB962C8B-B14F-4D97-AF65-F5344CB8AC3E}">
@@ -3647,10 +3903,17 @@
   <p:clrMapOvr>
     <a:masterClrMapping/>
   </p:clrMapOvr>
+  <p:timing>
+    <p:tnLst>
+      <p:par>
+        <p:cTn id="1" dur="indefinite" restart="never" nodeType="tmRoot"/>
+      </p:par>
+    </p:tnLst>
+  </p:timing>
 </p:sld>
 </file>
 
-<file path=ppt/slides/slide12.xml><?xml version="1.0" encoding="utf-8"?>
+<file path=ppt/slides/slide13.xml><?xml version="1.0" encoding="utf-8"?>
 <p:sld xmlns:a="http://schemas.openxmlformats.org/drawingml/2006/main" xmlns:r="http://schemas.openxmlformats.org/officeDocument/2006/relationships" xmlns:p="http://schemas.openxmlformats.org/presentationml/2006/main">
   <p:cSld>
     <p:spTree>
@@ -5763,7 +6026,7 @@
 </p:sld>
 </file>
 
-<file path=ppt/slides/slide13.xml><?xml version="1.0" encoding="utf-8"?>
+<file path=ppt/slides/slide14.xml><?xml version="1.0" encoding="utf-8"?>
 <p:sld xmlns:a="http://schemas.openxmlformats.org/drawingml/2006/main" xmlns:r="http://schemas.openxmlformats.org/officeDocument/2006/relationships" xmlns:p="http://schemas.openxmlformats.org/presentationml/2006/main">
   <p:cSld>
     <p:spTree>
@@ -5828,8 +6091,8 @@
         </p:nvSpPr>
         <p:spPr>
           <a:xfrm>
-            <a:off x="0" y="1325563"/>
-            <a:ext cx="11767930" cy="5131766"/>
+            <a:off x="0" y="1020418"/>
+            <a:ext cx="12192000" cy="5837582"/>
           </a:xfrm>
         </p:spPr>
         <p:txBody>
@@ -5839,125 +6102,186 @@
           <a:lstStyle/>
           <a:p>
             <a:r>
-              <a:rPr lang="en-US" dirty="0"/>
+              <a:rPr lang="en-US" sz="2300" dirty="0"/>
               <a:t>The auxiliary network 𝑞(𝑐∣𝑥</a:t>
             </a:r>
             <a:r>
-              <a:rPr lang="en-US" dirty="0" smtClean="0"/>
-              <a:t>) crucially </a:t>
-            </a:r>
-            <a:r>
-              <a:rPr lang="en-US" dirty="0"/>
-              <a:t>approximates the posterior distribution 𝑝(𝑐∣𝑥</a:t>
-            </a:r>
-            <a:r>
-              <a:rPr lang="en-US" dirty="0" smtClean="0"/>
-              <a:t>′) essential </a:t>
-            </a:r>
-            <a:r>
-              <a:rPr lang="en-US" dirty="0"/>
+              <a:rPr lang="en-US" sz="2300" dirty="0" smtClean="0"/>
+              <a:t>) </a:t>
+            </a:r>
+            <a:r>
+              <a:rPr lang="en-US" sz="2300" dirty="0" smtClean="0"/>
+              <a:t>approximates </a:t>
+            </a:r>
+            <a:r>
+              <a:rPr lang="en-US" sz="2300" dirty="0"/>
+              <a:t>the posterior distribution 𝑝(𝑐∣𝑥</a:t>
+            </a:r>
+            <a:r>
+              <a:rPr lang="en-US" sz="2300" dirty="0" smtClean="0"/>
+              <a:t>′) </a:t>
+            </a:r>
+            <a:r>
+              <a:rPr lang="en-US" sz="2300" dirty="0" smtClean="0"/>
               <a:t>for </a:t>
             </a:r>
             <a:r>
-              <a:rPr lang="en-US" dirty="0" smtClean="0"/>
+              <a:rPr lang="en-US" sz="2300" dirty="0" smtClean="0"/>
               <a:t>the </a:t>
             </a:r>
             <a:r>
-              <a:rPr lang="en-US" dirty="0"/>
+              <a:rPr lang="en-US" sz="2300" dirty="0"/>
               <a:t>VMIM </a:t>
             </a:r>
             <a:r>
-              <a:rPr lang="en-US" dirty="0" smtClean="0"/>
+              <a:rPr lang="en-US" sz="2300" dirty="0" smtClean="0"/>
               <a:t>loss.</a:t>
             </a:r>
           </a:p>
           <a:p>
             <a:r>
-              <a:rPr lang="en-US" dirty="0"/>
+              <a:rPr lang="en-US" sz="2300" dirty="0"/>
               <a:t>The </a:t>
             </a:r>
             <a:r>
-              <a:rPr lang="en-US" dirty="0" smtClean="0"/>
+              <a:rPr lang="en-US" sz="2300" dirty="0" smtClean="0"/>
               <a:t>VMIM </a:t>
             </a:r>
             <a:r>
-              <a:rPr lang="en-US" dirty="0"/>
+              <a:rPr lang="en-US" sz="2300" dirty="0"/>
               <a:t>loss guarantees that the latent codes </a:t>
             </a:r>
             <a:r>
-              <a:rPr lang="en-US" dirty="0" smtClean="0"/>
+              <a:rPr lang="en-US" sz="2300" dirty="0" smtClean="0"/>
               <a:t>c are </a:t>
             </a:r>
             <a:r>
-              <a:rPr lang="en-US" dirty="0"/>
-              <a:t>informative and not ignored, enhancing variability and generative diversity</a:t>
-            </a:r>
-            <a:r>
-              <a:rPr lang="en-US" dirty="0" smtClean="0"/>
-              <a:t>.</a:t>
-            </a:r>
-          </a:p>
-          <a:p>
-            <a:endParaRPr lang="en-US" dirty="0" smtClean="0"/>
-          </a:p>
-          <a:p>
-            <a:endParaRPr lang="en-US" dirty="0" smtClean="0"/>
-          </a:p>
-          <a:p>
-            <a:r>
-              <a:rPr lang="en-US" dirty="0"/>
+              <a:rPr lang="en-US" sz="2300" dirty="0"/>
+              <a:t>informative and not </a:t>
+            </a:r>
+            <a:r>
+              <a:rPr lang="en-US" sz="2300" dirty="0" smtClean="0"/>
+              <a:t>ignored.</a:t>
+            </a:r>
+            <a:endParaRPr lang="en-US" sz="2300" dirty="0" smtClean="0"/>
+          </a:p>
+          <a:p>
+            <a:endParaRPr lang="en-US" sz="2300" dirty="0" smtClean="0"/>
+          </a:p>
+          <a:p>
+            <a:endParaRPr lang="en-US" sz="2300" dirty="0" smtClean="0"/>
+          </a:p>
+          <a:p>
+            <a:r>
+              <a:rPr lang="en-US" sz="2300" dirty="0"/>
               <a:t>where </a:t>
             </a:r>
             <a:r>
-              <a:rPr lang="en-US" dirty="0" smtClean="0"/>
+              <a:rPr lang="en-US" sz="2300" dirty="0" smtClean="0"/>
               <a:t>θ </a:t>
             </a:r>
             <a:r>
-              <a:rPr lang="en-US" dirty="0"/>
+              <a:rPr lang="en-US" sz="2300" dirty="0"/>
               <a:t>is the output of a fully connected </a:t>
             </a:r>
             <a:r>
-              <a:rPr lang="en-US" dirty="0" smtClean="0"/>
-              <a:t>layer(auxiliary network)</a:t>
-            </a:r>
-          </a:p>
-          <a:p>
-            <a:r>
-              <a:rPr lang="en-US" dirty="0"/>
+              <a:rPr lang="en-US" sz="2300" dirty="0" smtClean="0"/>
+              <a:t>layer(auxiliary network</a:t>
+            </a:r>
+            <a:r>
+              <a:rPr lang="en-US" sz="2300" dirty="0" smtClean="0"/>
+              <a:t>) </a:t>
+            </a:r>
+            <a:r>
+              <a:rPr lang="en-US" sz="2300" dirty="0" smtClean="0"/>
+              <a:t>which predicts </a:t>
+            </a:r>
+            <a:r>
+              <a:rPr lang="en-US" sz="2300" dirty="0"/>
+              <a:t>the latent codes </a:t>
+            </a:r>
+            <a:r>
+              <a:rPr lang="en-US" sz="2300" dirty="0" smtClean="0"/>
+              <a:t>c </a:t>
+            </a:r>
+            <a:r>
+              <a:rPr lang="en-US" sz="2300" dirty="0"/>
+              <a:t>from the generated </a:t>
+            </a:r>
+            <a:r>
+              <a:rPr lang="en-US" sz="2300" dirty="0" smtClean="0"/>
+              <a:t>data </a:t>
+            </a:r>
+            <a:r>
+              <a:rPr lang="en-US" sz="2300" dirty="0"/>
+              <a:t>𝑥</a:t>
+            </a:r>
+            <a:r>
+              <a:rPr lang="en-US" sz="2300" dirty="0" smtClean="0"/>
+              <a:t>′</a:t>
+            </a:r>
+          </a:p>
+          <a:p>
+            <a:r>
+              <a:rPr lang="en-US" sz="2300" dirty="0"/>
               <a:t>During </a:t>
             </a:r>
             <a:r>
-              <a:rPr lang="en-US" dirty="0" err="1"/>
+              <a:rPr lang="en-US" sz="2300" dirty="0" err="1"/>
               <a:t>backpropagation</a:t>
             </a:r>
             <a:r>
-              <a:rPr lang="en-US" dirty="0"/>
-              <a:t>, the gradients from the VMIM </a:t>
-            </a:r>
-            <a:r>
-              <a:rPr lang="en-US" dirty="0" smtClean="0"/>
-              <a:t>loss </a:t>
-            </a:r>
-            <a:r>
-              <a:rPr lang="en-US" dirty="0"/>
-              <a:t>term flow through the auxiliary network</a:t>
-            </a:r>
-            <a:r>
-              <a:rPr lang="en-US" dirty="0" smtClean="0"/>
-              <a:t>. This </a:t>
-            </a:r>
-            <a:r>
-              <a:rPr lang="en-US" dirty="0"/>
-              <a:t>gradient flow implicitly trains the auxiliary network, improving its ability to predict the latent codes accurately</a:t>
-            </a:r>
-            <a:r>
-              <a:rPr lang="en-US" dirty="0" smtClean="0"/>
-              <a:t>.</a:t>
-            </a:r>
-          </a:p>
-          <a:p>
-            <a:r>
-              <a:rPr lang="en-US" b="1" u="sng" dirty="0" smtClean="0">
+              <a:rPr lang="en-US" sz="2300" dirty="0"/>
+              <a:t>, gradients are computed for all parameters that influence the overall loss function. This includes the parameters of the auxiliary network since the VMIM loss directly involves the predictions made by this </a:t>
+            </a:r>
+            <a:r>
+              <a:rPr lang="en-US" sz="2300" dirty="0" err="1" smtClean="0"/>
+              <a:t>network,so</a:t>
+            </a:r>
+            <a:r>
+              <a:rPr lang="en-US" sz="2300" dirty="0" smtClean="0"/>
+              <a:t> </a:t>
+            </a:r>
+            <a:r>
+              <a:rPr lang="en-US" sz="2300" dirty="0"/>
+              <a:t>its gradients are </a:t>
+            </a:r>
+            <a:r>
+              <a:rPr lang="en-US" sz="2300" dirty="0" smtClean="0"/>
+              <a:t>w.r.t </a:t>
+            </a:r>
+            <a:r>
+              <a:rPr lang="en-US" sz="2300" dirty="0"/>
+              <a:t>the parameters of this network.</a:t>
+            </a:r>
+            <a:endParaRPr lang="en-US" sz="2300" dirty="0" smtClean="0"/>
+          </a:p>
+          <a:p>
+            <a:r>
+              <a:rPr lang="en-US" sz="2300" dirty="0"/>
+              <a:t>These gradients flow through the auxiliary network, </a:t>
+            </a:r>
+            <a:r>
+              <a:rPr lang="en-US" sz="2300" u="sng" dirty="0">
+                <a:solidFill>
+                  <a:srgbClr val="FF0000"/>
+                </a:solidFill>
+              </a:rPr>
+              <a:t>implicitly</a:t>
+            </a:r>
+            <a:r>
+              <a:rPr lang="en-US" sz="2300" dirty="0"/>
+              <a:t> training it. This means that the parameters of the auxiliary network are updated to optimize the VMIM loss, improving its ability to predict the latent </a:t>
+            </a:r>
+            <a:r>
+              <a:rPr lang="en-US" sz="2300" dirty="0" smtClean="0"/>
+              <a:t>codes c accurately.</a:t>
+            </a:r>
+            <a:endParaRPr lang="en-US" sz="2300" dirty="0" smtClean="0"/>
+          </a:p>
+          <a:p>
+            <a:r>
+              <a:rPr lang="en-US" sz="2300" b="1" u="sng" dirty="0" smtClean="0">
                 <a:solidFill>
                   <a:srgbClr val="FF0000"/>
                 </a:solidFill>
@@ -5965,7 +6289,7 @@
               <a:t>No </a:t>
             </a:r>
             <a:r>
-              <a:rPr lang="en-US" b="1" u="sng" dirty="0">
+              <a:rPr lang="en-US" sz="2300" b="1" u="sng" dirty="0">
                 <a:solidFill>
                   <a:srgbClr val="FF0000"/>
                 </a:solidFill>
@@ -5973,7 +6297,7 @@
               <a:t>need</a:t>
             </a:r>
             <a:r>
-              <a:rPr lang="en-US" dirty="0">
+              <a:rPr lang="en-US" sz="2300" dirty="0">
                 <a:solidFill>
                   <a:srgbClr val="FF0000"/>
                 </a:solidFill>
@@ -5981,7 +6305,7 @@
               <a:t> </a:t>
             </a:r>
             <a:r>
-              <a:rPr lang="en-US" dirty="0"/>
+              <a:rPr lang="en-US" sz="2300" dirty="0"/>
               <a:t>for additional explicit loss (e.g., MAE), simplifying training.</a:t>
             </a:r>
           </a:p>
@@ -6009,7 +6333,7 @@
         </p:blipFill>
         <p:spPr>
           <a:xfrm>
-            <a:off x="3458749" y="3103530"/>
+            <a:off x="3309665" y="1860138"/>
             <a:ext cx="3896269" cy="971686"/>
           </a:xfrm>
           <a:prstGeom prst="rect">
@@ -6027,10 +6351,17 @@
   <p:clrMapOvr>
     <a:masterClrMapping/>
   </p:clrMapOvr>
+  <p:timing>
+    <p:tnLst>
+      <p:par>
+        <p:cTn id="1" dur="indefinite" restart="never" nodeType="tmRoot"/>
+      </p:par>
+    </p:tnLst>
+  </p:timing>
 </p:sld>
 </file>
 
-<file path=ppt/slides/slide14.xml><?xml version="1.0" encoding="utf-8"?>
+<file path=ppt/slides/slide15.xml><?xml version="1.0" encoding="utf-8"?>
 <p:sld xmlns:a="http://schemas.openxmlformats.org/drawingml/2006/main" xmlns:r="http://schemas.openxmlformats.org/officeDocument/2006/relationships" xmlns:p="http://schemas.openxmlformats.org/presentationml/2006/main">
   <p:cSld>
     <p:spTree>
@@ -8536,6 +8867,13 @@
   <p:clrMapOvr>
     <a:masterClrMapping/>
   </p:clrMapOvr>
+  <p:timing>
+    <p:tnLst>
+      <p:par>
+        <p:cTn id="1" dur="indefinite" restart="never" nodeType="tmRoot"/>
+      </p:par>
+    </p:tnLst>
+  </p:timing>
 </p:sld>
 </file>
 
@@ -8704,6 +9042,13 @@
   <p:clrMapOvr>
     <a:masterClrMapping/>
   </p:clrMapOvr>
+  <p:timing>
+    <p:tnLst>
+      <p:par>
+        <p:cTn id="1" dur="indefinite" restart="never" nodeType="tmRoot"/>
+      </p:par>
+    </p:tnLst>
+  </p:timing>
 </p:sld>
 </file>
 
@@ -8979,10 +9324,154 @@
   <p:clrMapOvr>
     <a:masterClrMapping/>
   </p:clrMapOvr>
+  <p:timing>
+    <p:tnLst>
+      <p:par>
+        <p:cTn id="1" dur="indefinite" restart="never" nodeType="tmRoot"/>
+      </p:par>
+    </p:tnLst>
+  </p:timing>
 </p:sld>
 </file>
 
 <file path=ppt/slides/slide6.xml><?xml version="1.0" encoding="utf-8"?>
+<p:sld xmlns:a="http://schemas.openxmlformats.org/drawingml/2006/main" xmlns:r="http://schemas.openxmlformats.org/officeDocument/2006/relationships" xmlns:p="http://schemas.openxmlformats.org/presentationml/2006/main">
+  <p:cSld>
+    <p:spTree>
+      <p:nvGrpSpPr>
+        <p:cNvPr id="1" name=""/>
+        <p:cNvGrpSpPr/>
+        <p:nvPr/>
+      </p:nvGrpSpPr>
+      <p:grpSpPr>
+        <a:xfrm>
+          <a:off x="0" y="0"/>
+          <a:ext cx="0" cy="0"/>
+          <a:chOff x="0" y="0"/>
+          <a:chExt cx="0" cy="0"/>
+        </a:xfrm>
+      </p:grpSpPr>
+      <p:sp>
+        <p:nvSpPr>
+          <p:cNvPr id="2" name="Title 1"/>
+          <p:cNvSpPr>
+            <a:spLocks noGrp="1"/>
+          </p:cNvSpPr>
+          <p:nvPr>
+            <p:ph type="title"/>
+          </p:nvPr>
+        </p:nvSpPr>
+        <p:spPr/>
+        <p:txBody>
+          <a:bodyPr/>
+          <a:lstStyle/>
+          <a:p>
+            <a:r>
+              <a:rPr lang="en-US" b="1" dirty="0">
+                <a:solidFill>
+                  <a:srgbClr val="FF0000"/>
+                </a:solidFill>
+              </a:rPr>
+              <a:t>Sampling</a:t>
+            </a:r>
+          </a:p>
+        </p:txBody>
+      </p:sp>
+      <p:sp>
+        <p:nvSpPr>
+          <p:cNvPr id="3" name="Content Placeholder 2"/>
+          <p:cNvSpPr>
+            <a:spLocks noGrp="1"/>
+          </p:cNvSpPr>
+          <p:nvPr>
+            <p:ph idx="1"/>
+          </p:nvPr>
+        </p:nvSpPr>
+        <p:spPr/>
+        <p:txBody>
+          <a:bodyPr>
+            <a:normAutofit/>
+          </a:bodyPr>
+          <a:lstStyle/>
+          <a:p>
+            <a:r>
+              <a:rPr lang="en-US" sz="2400" dirty="0"/>
+              <a:t>For each class (green, red, </a:t>
+            </a:r>
+            <a:r>
+              <a:rPr lang="en-US" sz="2400" dirty="0" err="1"/>
+              <a:t>farred</a:t>
+            </a:r>
+            <a:r>
+              <a:rPr lang="en-US" sz="2400" dirty="0" smtClean="0"/>
+              <a:t>) </a:t>
+            </a:r>
+            <a:r>
+              <a:rPr lang="en-US" sz="2400" dirty="0"/>
+              <a:t>the data is filtered to include only sequences corresponding to specific wavelength ranges</a:t>
+            </a:r>
+            <a:r>
+              <a:rPr lang="en-US" sz="2400" dirty="0" smtClean="0"/>
+              <a:t>.</a:t>
+            </a:r>
+          </a:p>
+          <a:p>
+            <a:r>
+              <a:rPr lang="en-US" sz="2400" dirty="0"/>
+              <a:t>Within each class, only the first peak of the spectrum is </a:t>
+            </a:r>
+            <a:r>
+              <a:rPr lang="en-US" sz="2400" dirty="0" smtClean="0"/>
+              <a:t>considered (for now just for simplicity, we can then decide which peak is more logical or select the brightest peak)</a:t>
+            </a:r>
+          </a:p>
+          <a:p>
+            <a:r>
+              <a:rPr lang="en-US" sz="2400" dirty="0"/>
+              <a:t>To generate sequences for a specific class (e.g., green), a random subset of the spectra from this class is selected</a:t>
+            </a:r>
+            <a:r>
+              <a:rPr lang="en-US" sz="2400" dirty="0" smtClean="0"/>
+              <a:t>.</a:t>
+            </a:r>
+          </a:p>
+          <a:p>
+            <a:r>
+              <a:rPr lang="en-US" sz="2400" dirty="0"/>
+              <a:t>This subset is then combined with the latent vector z from a standard normal distribution and used by the </a:t>
+            </a:r>
+            <a:r>
+              <a:rPr lang="en-US" sz="2400" dirty="0" smtClean="0"/>
+              <a:t>CVAE </a:t>
+            </a:r>
+            <a:r>
+              <a:rPr lang="en-US" sz="2400" dirty="0"/>
+              <a:t>decoder to generate the desired DNA sequences.</a:t>
+            </a:r>
+          </a:p>
+        </p:txBody>
+      </p:sp>
+    </p:spTree>
+    <p:extLst>
+      <p:ext uri="{BB962C8B-B14F-4D97-AF65-F5344CB8AC3E}">
+        <p14:creationId xmlns:p14="http://schemas.microsoft.com/office/powerpoint/2010/main" val="2988441835"/>
+      </p:ext>
+    </p:extLst>
+  </p:cSld>
+  <p:clrMapOvr>
+    <a:masterClrMapping/>
+  </p:clrMapOvr>
+  <p:timing>
+    <p:tnLst>
+      <p:par>
+        <p:cTn id="1" dur="indefinite" restart="never" nodeType="tmRoot"/>
+      </p:par>
+    </p:tnLst>
+  </p:timing>
+</p:sld>
+</file>
+
+<file path=ppt/slides/slide7.xml><?xml version="1.0" encoding="utf-8"?>
 <p:sld xmlns:a="http://schemas.openxmlformats.org/drawingml/2006/main" xmlns:r="http://schemas.openxmlformats.org/officeDocument/2006/relationships" xmlns:p="http://schemas.openxmlformats.org/presentationml/2006/main">
   <p:cSld>
     <p:spTree>
@@ -9164,7 +9653,7 @@
         <p:spPr>
           <a:xfrm>
             <a:off x="8467613" y="1627381"/>
-            <a:ext cx="3511826" cy="4524315"/>
+            <a:ext cx="3511826" cy="2862322"/>
           </a:xfrm>
           <a:prstGeom prst="rect">
             <a:avLst/>
@@ -9219,16 +9708,6 @@
               </a:solidFill>
               <a:latin typeface="Slack-Lato"/>
             </a:endParaRPr>
-          </a:p>
-          <a:p>
-            <a:pPr marL="285750" indent="-285750">
-              <a:buFont typeface="Arial" panose="020B0604020202020204" pitchFamily="34" charset="0"/>
-              <a:buChar char="•"/>
-            </a:pPr>
-            <a:r>
-              <a:rPr lang="en-US" dirty="0"/>
-              <a:t>I only considered peak 1; I didn’t want to make it complicated for now. But in the future, we can decide how to group sequences, e.g., by considering the brightest peak.</a:t>
-            </a:r>
           </a:p>
           <a:p>
             <a:endParaRPr lang="en-US" dirty="0"/>
@@ -9245,10 +9724,17 @@
   <p:clrMapOvr>
     <a:masterClrMapping/>
   </p:clrMapOvr>
+  <p:timing>
+    <p:tnLst>
+      <p:par>
+        <p:cTn id="1" dur="indefinite" restart="never" nodeType="tmRoot"/>
+      </p:par>
+    </p:tnLst>
+  </p:timing>
 </p:sld>
 </file>
 
-<file path=ppt/slides/slide7.xml><?xml version="1.0" encoding="utf-8"?>
+<file path=ppt/slides/slide8.xml><?xml version="1.0" encoding="utf-8"?>
 <p:sld xmlns:a="http://schemas.openxmlformats.org/drawingml/2006/main" xmlns:r="http://schemas.openxmlformats.org/officeDocument/2006/relationships" xmlns:p="http://schemas.openxmlformats.org/presentationml/2006/main">
   <p:cSld>
     <p:spTree>
@@ -9431,10 +9917,17 @@
   <p:clrMapOvr>
     <a:masterClrMapping/>
   </p:clrMapOvr>
+  <p:timing>
+    <p:tnLst>
+      <p:par>
+        <p:cTn id="1" dur="indefinite" restart="never" nodeType="tmRoot"/>
+      </p:par>
+    </p:tnLst>
+  </p:timing>
 </p:sld>
 </file>
 
-<file path=ppt/slides/slide8.xml><?xml version="1.0" encoding="utf-8"?>
+<file path=ppt/slides/slide9.xml><?xml version="1.0" encoding="utf-8"?>
 <p:sld xmlns:a="http://schemas.openxmlformats.org/drawingml/2006/main" xmlns:r="http://schemas.openxmlformats.org/officeDocument/2006/relationships" xmlns:p="http://schemas.openxmlformats.org/presentationml/2006/main">
   <p:cSld>
     <p:spTree>
@@ -9478,6 +9971,14 @@
                 </a:solidFill>
               </a:rPr>
               <a:t>FarRed</a:t>
+            </a:r>
+            <a:r>
+              <a:rPr lang="en-US" b="1" dirty="0" smtClean="0">
+                <a:solidFill>
+                  <a:srgbClr val="FF0000"/>
+                </a:solidFill>
+              </a:rPr>
+              <a:t> (660&lt;WAV&lt;800 nm)</a:t>
             </a:r>
             <a:endParaRPr lang="en-US" b="1" dirty="0">
               <a:solidFill>
@@ -9617,191 +10118,13 @@
   <p:clrMapOvr>
     <a:masterClrMapping/>
   </p:clrMapOvr>
-</p:sld>
-</file>
-
-<file path=ppt/slides/slide9.xml><?xml version="1.0" encoding="utf-8"?>
-<p:sld xmlns:a="http://schemas.openxmlformats.org/drawingml/2006/main" xmlns:r="http://schemas.openxmlformats.org/officeDocument/2006/relationships" xmlns:p="http://schemas.openxmlformats.org/presentationml/2006/main">
-  <p:cSld>
-    <p:spTree>
-      <p:nvGrpSpPr>
-        <p:cNvPr id="1" name=""/>
-        <p:cNvGrpSpPr/>
-        <p:nvPr/>
-      </p:nvGrpSpPr>
-      <p:grpSpPr>
-        <a:xfrm>
-          <a:off x="0" y="0"/>
-          <a:ext cx="0" cy="0"/>
-          <a:chOff x="0" y="0"/>
-          <a:chExt cx="0" cy="0"/>
-        </a:xfrm>
-      </p:grpSpPr>
-      <p:sp>
-        <p:nvSpPr>
-          <p:cNvPr id="2" name="Title 1"/>
-          <p:cNvSpPr>
-            <a:spLocks noGrp="1"/>
-          </p:cNvSpPr>
-          <p:nvPr>
-            <p:ph type="title"/>
-          </p:nvPr>
-        </p:nvSpPr>
-        <p:spPr>
-          <a:xfrm>
-            <a:off x="0" y="34937"/>
-            <a:ext cx="10515600" cy="1325563"/>
-          </a:xfrm>
-        </p:spPr>
-        <p:txBody>
-          <a:bodyPr/>
-          <a:lstStyle/>
-          <a:p>
-            <a:r>
-              <a:rPr lang="en-US" b="1" dirty="0" smtClean="0">
-                <a:solidFill>
-                  <a:srgbClr val="FF0000"/>
-                </a:solidFill>
-              </a:rPr>
-              <a:t>660 &lt; WAV&lt; 775 nm</a:t>
-            </a:r>
-            <a:endParaRPr lang="en-US" b="1" dirty="0">
-              <a:solidFill>
-                <a:srgbClr val="FF0000"/>
-              </a:solidFill>
-            </a:endParaRPr>
-          </a:p>
-        </p:txBody>
-      </p:sp>
-      <p:pic>
-        <p:nvPicPr>
-          <p:cNvPr id="4" name="Content Placeholder 3"/>
-          <p:cNvPicPr>
-            <a:picLocks noGrp="1" noChangeAspect="1"/>
-          </p:cNvPicPr>
-          <p:nvPr>
-            <p:ph idx="1"/>
-          </p:nvPr>
-        </p:nvPicPr>
-        <p:blipFill>
-          <a:blip r:embed="rId2">
-            <a:extLst>
-              <a:ext uri="{28A0092B-C50C-407E-A947-70E740481C1C}">
-                <a14:useLocalDpi xmlns:a14="http://schemas.microsoft.com/office/drawing/2010/main" val="0"/>
-              </a:ext>
-            </a:extLst>
-          </a:blip>
-          <a:stretch>
-            <a:fillRect/>
-          </a:stretch>
-        </p:blipFill>
-        <p:spPr>
-          <a:xfrm>
-            <a:off x="5802989" y="4455628"/>
-            <a:ext cx="5024037" cy="2204906"/>
-          </a:xfrm>
-        </p:spPr>
-      </p:pic>
-      <p:pic>
-        <p:nvPicPr>
-          <p:cNvPr id="5" name="Picture 4"/>
-          <p:cNvPicPr>
-            <a:picLocks noChangeAspect="1"/>
-          </p:cNvPicPr>
-          <p:nvPr/>
-        </p:nvPicPr>
-        <p:blipFill>
-          <a:blip r:embed="rId3">
-            <a:extLst>
-              <a:ext uri="{28A0092B-C50C-407E-A947-70E740481C1C}">
-                <a14:useLocalDpi xmlns:a14="http://schemas.microsoft.com/office/drawing/2010/main" val="0"/>
-              </a:ext>
-            </a:extLst>
-          </a:blip>
-          <a:stretch>
-            <a:fillRect/>
-          </a:stretch>
-        </p:blipFill>
-        <p:spPr>
-          <a:xfrm>
-            <a:off x="5990615" y="1131216"/>
-            <a:ext cx="4236540" cy="3177405"/>
-          </a:xfrm>
-          <a:prstGeom prst="rect">
-            <a:avLst/>
-          </a:prstGeom>
-        </p:spPr>
-      </p:pic>
-      <p:pic>
-        <p:nvPicPr>
-          <p:cNvPr id="6" name="Picture 5"/>
-          <p:cNvPicPr>
-            <a:picLocks noChangeAspect="1"/>
-          </p:cNvPicPr>
-          <p:nvPr/>
-        </p:nvPicPr>
-        <p:blipFill>
-          <a:blip r:embed="rId4">
-            <a:extLst>
-              <a:ext uri="{28A0092B-C50C-407E-A947-70E740481C1C}">
-                <a14:useLocalDpi xmlns:a14="http://schemas.microsoft.com/office/drawing/2010/main" val="0"/>
-              </a:ext>
-            </a:extLst>
-          </a:blip>
-          <a:stretch>
-            <a:fillRect/>
-          </a:stretch>
-        </p:blipFill>
-        <p:spPr>
-          <a:xfrm>
-            <a:off x="0" y="4455628"/>
-            <a:ext cx="5134854" cy="2253541"/>
-          </a:xfrm>
-          <a:prstGeom prst="rect">
-            <a:avLst/>
-          </a:prstGeom>
-        </p:spPr>
-      </p:pic>
-      <p:pic>
-        <p:nvPicPr>
-          <p:cNvPr id="7" name="Picture 6"/>
-          <p:cNvPicPr>
-            <a:picLocks noChangeAspect="1"/>
-          </p:cNvPicPr>
-          <p:nvPr/>
-        </p:nvPicPr>
-        <p:blipFill>
-          <a:blip r:embed="rId5">
-            <a:extLst>
-              <a:ext uri="{28A0092B-C50C-407E-A947-70E740481C1C}">
-                <a14:useLocalDpi xmlns:a14="http://schemas.microsoft.com/office/drawing/2010/main" val="0"/>
-              </a:ext>
-            </a:extLst>
-          </a:blip>
-          <a:stretch>
-            <a:fillRect/>
-          </a:stretch>
-        </p:blipFill>
-        <p:spPr>
-          <a:xfrm>
-            <a:off x="249070" y="1131216"/>
-            <a:ext cx="4236540" cy="3177405"/>
-          </a:xfrm>
-          <a:prstGeom prst="rect">
-            <a:avLst/>
-          </a:prstGeom>
-        </p:spPr>
-      </p:pic>
-    </p:spTree>
-    <p:extLst>
-      <p:ext uri="{BB962C8B-B14F-4D97-AF65-F5344CB8AC3E}">
-        <p14:creationId xmlns:p14="http://schemas.microsoft.com/office/powerpoint/2010/main" val="3317750376"/>
-      </p:ext>
-    </p:extLst>
-  </p:cSld>
-  <p:clrMapOvr>
-    <a:masterClrMapping/>
-  </p:clrMapOvr>
+  <p:timing>
+    <p:tnLst>
+      <p:par>
+        <p:cTn id="1" dur="indefinite" restart="never" nodeType="tmRoot"/>
+      </p:par>
+    </p:tnLst>
+  </p:timing>
 </p:sld>
 </file>
 
